--- a/UI/Bantonghop_SHIMA.pptx
+++ b/UI/Bantonghop_SHIMA.pptx
@@ -7780,15 +7780,7 @@
                   <a:srgbClr val="FF0000"/>
                 </a:solidFill>
               </a:rPr>
-              <a:t>Hiển thị ca làm việc CỦA </a:t>
-            </a:r>
-            <a:r>
-              <a:rPr lang="en-US" sz="1600" smtClean="0">
-                <a:solidFill>
-                  <a:srgbClr val="FF0000"/>
-                </a:solidFill>
-              </a:rPr>
-              <a:t>NHÂN VIÊN</a:t>
+              <a:t>Hiển thị ca làm việc CỦA NHÂN VIÊN</a:t>
             </a:r>
             <a:endParaRPr lang="en-US" sz="1600">
               <a:solidFill>
@@ -11977,11 +11969,7 @@
           <a:p>
             <a:r>
               <a:rPr lang="en-US" sz="1600" smtClean="0"/>
-              <a:t>10</a:t>
-            </a:r>
-            <a:r>
-              <a:rPr lang="en-US" sz="1600" smtClean="0"/>
-              <a:t>/2</a:t>
+              <a:t>10/2</a:t>
             </a:r>
             <a:endParaRPr lang="en-US" sz="1600"/>
           </a:p>
@@ -12436,11 +12424,7 @@
           <a:p>
             <a:r>
               <a:rPr lang="en-US" sz="1600" smtClean="0"/>
-              <a:t>11</a:t>
-            </a:r>
-            <a:r>
-              <a:rPr lang="en-US" sz="1600" smtClean="0"/>
-              <a:t>/2</a:t>
+              <a:t>11/2</a:t>
             </a:r>
             <a:endParaRPr lang="en-US" sz="1600"/>
           </a:p>
@@ -13294,17 +13278,7 @@
                     </a:schemeClr>
                   </a:solidFill>
                 </a:rPr>
-                <a:t>Thiết lập </a:t>
-              </a:r>
-              <a:r>
-                <a:rPr lang="en-US" sz="1600" smtClean="0">
-                  <a:solidFill>
-                    <a:schemeClr val="bg1">
-                      <a:lumMod val="65000"/>
-                    </a:schemeClr>
-                  </a:solidFill>
-                </a:rPr>
-                <a:t>Lịch</a:t>
+                <a:t>Thiết lập Lịch</a:t>
               </a:r>
               <a:endParaRPr lang="en-US" sz="1600">
                 <a:solidFill>
@@ -14751,15 +14725,7 @@
                     <a:schemeClr val="bg1"/>
                   </a:solidFill>
                 </a:rPr>
-                <a:t>Thiết lập </a:t>
-              </a:r>
-              <a:r>
-                <a:rPr lang="en-US" sz="1600" smtClean="0">
-                  <a:solidFill>
-                    <a:schemeClr val="bg1"/>
-                  </a:solidFill>
-                </a:rPr>
-                <a:t>Lịch</a:t>
+                <a:t>Thiết lập Lịch</a:t>
               </a:r>
               <a:endParaRPr lang="en-US" sz="1600">
                 <a:solidFill>
@@ -15816,11 +15782,7 @@
           <a:p>
             <a:r>
               <a:rPr lang="en-US" sz="1600" smtClean="0"/>
-              <a:t>17</a:t>
-            </a:r>
-            <a:r>
-              <a:rPr lang="en-US" sz="1600" smtClean="0"/>
-              <a:t>/2</a:t>
+              <a:t>17/2</a:t>
             </a:r>
             <a:endParaRPr lang="en-US" sz="1600"/>
           </a:p>
@@ -16275,11 +16237,7 @@
           <a:p>
             <a:r>
               <a:rPr lang="en-US" sz="1600" smtClean="0"/>
-              <a:t>18</a:t>
-            </a:r>
-            <a:r>
-              <a:rPr lang="en-US" sz="1600" smtClean="0"/>
-              <a:t>/2</a:t>
+              <a:t>18/2</a:t>
             </a:r>
             <a:endParaRPr lang="en-US" sz="1600"/>
           </a:p>
@@ -16834,11 +16792,7 @@
           <a:p>
             <a:r>
               <a:rPr lang="en-US" sz="1600" smtClean="0"/>
-              <a:t>Thứ </a:t>
-            </a:r>
-            <a:r>
-              <a:rPr lang="en-US" sz="1600" smtClean="0"/>
-              <a:t>3</a:t>
+              <a:t>Thứ 3</a:t>
             </a:r>
             <a:endParaRPr lang="en-US" sz="1600"/>
           </a:p>
@@ -17715,15 +17669,7 @@
                     <a:schemeClr val="bg1"/>
                   </a:solidFill>
                 </a:rPr>
-                <a:t>Thiết lập </a:t>
-              </a:r>
-              <a:r>
-                <a:rPr lang="en-US" sz="1600" smtClean="0">
-                  <a:solidFill>
-                    <a:schemeClr val="bg1"/>
-                  </a:solidFill>
-                </a:rPr>
-                <a:t>Lịch</a:t>
+                <a:t>Thiết lập Lịch</a:t>
               </a:r>
               <a:endParaRPr lang="en-US" sz="1600">
                 <a:solidFill>
@@ -18568,11 +18514,7 @@
           <a:p>
             <a:r>
               <a:rPr lang="en-US" smtClean="0"/>
-              <a:t>Sign </a:t>
-            </a:r>
-            <a:r>
-              <a:rPr lang="en-US" smtClean="0"/>
-              <a:t>up quản lý</a:t>
+              <a:t>Sign up quản lý</a:t>
             </a:r>
             <a:endParaRPr lang="en-US"/>
           </a:p>
@@ -23332,15 +23274,7 @@
                   <a:srgbClr val="FF0000"/>
                 </a:solidFill>
               </a:rPr>
-              <a:t>Sign </a:t>
-            </a:r>
-            <a:r>
-              <a:rPr lang="en-US" smtClean="0">
-                <a:solidFill>
-                  <a:srgbClr val="FF0000"/>
-                </a:solidFill>
-              </a:rPr>
-              <a:t>up nhân viên</a:t>
+              <a:t>Sign up nhân viên</a:t>
             </a:r>
             <a:endParaRPr lang="en-US">
               <a:solidFill>
@@ -28949,17 +28883,7 @@
                   </a:schemeClr>
                 </a:solidFill>
               </a:rPr>
-              <a:t>Full </a:t>
-            </a:r>
-            <a:r>
-              <a:rPr lang="en-US" sz="1600" b="1" smtClean="0">
-                <a:solidFill>
-                  <a:schemeClr val="bg1">
-                    <a:lumMod val="65000"/>
-                  </a:schemeClr>
-                </a:solidFill>
-              </a:rPr>
-              <a:t>name</a:t>
+              <a:t>Full name</a:t>
             </a:r>
             <a:endParaRPr lang="en-US" sz="1600" b="1">
               <a:solidFill>
@@ -30488,11 +30412,7 @@
           <a:p>
             <a:r>
               <a:rPr lang="en-US" sz="1600" smtClean="0"/>
-              <a:t>Set lương theo </a:t>
-            </a:r>
-            <a:r>
-              <a:rPr lang="en-US" sz="1600" smtClean="0"/>
-              <a:t>giờ </a:t>
+              <a:t>Set lương theo giờ </a:t>
             </a:r>
             <a:endParaRPr lang="en-US" sz="1600"/>
           </a:p>
@@ -30950,11 +30870,7 @@
           <a:p>
             <a:r>
               <a:rPr lang="en-US" sz="1600" smtClean="0"/>
-              <a:t>Nhập số tiền làm trong 1 </a:t>
-            </a:r>
-            <a:r>
-              <a:rPr lang="en-US" sz="1600" smtClean="0"/>
-              <a:t>giờ</a:t>
+              <a:t>Nhập số tiền làm trong 1 giờ</a:t>
             </a:r>
             <a:endParaRPr lang="en-US" sz="1600"/>
           </a:p>
